--- a/docs/refguide/applib-svc/_images/reference-services/commands-and-events.pptx
+++ b/docs/refguide/applib-svc/_images/reference-services/commands-and-events.pptx
@@ -243,7 +243,7 @@
           <a:p>
             <a:fld id="{F855B3F0-BB84-4743-96EB-565470B6C0EB}" type="datetimeFigureOut">
               <a:rPr lang="en-GB" smtClean="0"/>
-              <a:t>06/06/2016</a:t>
+              <a:t>21/02/2020</a:t>
             </a:fld>
             <a:endParaRPr lang="en-GB"/>
           </a:p>
@@ -413,7 +413,7 @@
           <a:p>
             <a:fld id="{F855B3F0-BB84-4743-96EB-565470B6C0EB}" type="datetimeFigureOut">
               <a:rPr lang="en-GB" smtClean="0"/>
-              <a:t>06/06/2016</a:t>
+              <a:t>21/02/2020</a:t>
             </a:fld>
             <a:endParaRPr lang="en-GB"/>
           </a:p>
@@ -593,7 +593,7 @@
           <a:p>
             <a:fld id="{F855B3F0-BB84-4743-96EB-565470B6C0EB}" type="datetimeFigureOut">
               <a:rPr lang="en-GB" smtClean="0"/>
-              <a:t>06/06/2016</a:t>
+              <a:t>21/02/2020</a:t>
             </a:fld>
             <a:endParaRPr lang="en-GB"/>
           </a:p>
@@ -763,7 +763,7 @@
           <a:p>
             <a:fld id="{F855B3F0-BB84-4743-96EB-565470B6C0EB}" type="datetimeFigureOut">
               <a:rPr lang="en-GB" smtClean="0"/>
-              <a:t>06/06/2016</a:t>
+              <a:t>21/02/2020</a:t>
             </a:fld>
             <a:endParaRPr lang="en-GB"/>
           </a:p>
@@ -1009,7 +1009,7 @@
           <a:p>
             <a:fld id="{F855B3F0-BB84-4743-96EB-565470B6C0EB}" type="datetimeFigureOut">
               <a:rPr lang="en-GB" smtClean="0"/>
-              <a:t>06/06/2016</a:t>
+              <a:t>21/02/2020</a:t>
             </a:fld>
             <a:endParaRPr lang="en-GB"/>
           </a:p>
@@ -1241,7 +1241,7 @@
           <a:p>
             <a:fld id="{F855B3F0-BB84-4743-96EB-565470B6C0EB}" type="datetimeFigureOut">
               <a:rPr lang="en-GB" smtClean="0"/>
-              <a:t>06/06/2016</a:t>
+              <a:t>21/02/2020</a:t>
             </a:fld>
             <a:endParaRPr lang="en-GB"/>
           </a:p>
@@ -1608,7 +1608,7 @@
           <a:p>
             <a:fld id="{F855B3F0-BB84-4743-96EB-565470B6C0EB}" type="datetimeFigureOut">
               <a:rPr lang="en-GB" smtClean="0"/>
-              <a:t>06/06/2016</a:t>
+              <a:t>21/02/2020</a:t>
             </a:fld>
             <a:endParaRPr lang="en-GB"/>
           </a:p>
@@ -1726,7 +1726,7 @@
           <a:p>
             <a:fld id="{F855B3F0-BB84-4743-96EB-565470B6C0EB}" type="datetimeFigureOut">
               <a:rPr lang="en-GB" smtClean="0"/>
-              <a:t>06/06/2016</a:t>
+              <a:t>21/02/2020</a:t>
             </a:fld>
             <a:endParaRPr lang="en-GB"/>
           </a:p>
@@ -1821,7 +1821,7 @@
           <a:p>
             <a:fld id="{F855B3F0-BB84-4743-96EB-565470B6C0EB}" type="datetimeFigureOut">
               <a:rPr lang="en-GB" smtClean="0"/>
-              <a:t>06/06/2016</a:t>
+              <a:t>21/02/2020</a:t>
             </a:fld>
             <a:endParaRPr lang="en-GB"/>
           </a:p>
@@ -2098,7 +2098,7 @@
           <a:p>
             <a:fld id="{F855B3F0-BB84-4743-96EB-565470B6C0EB}" type="datetimeFigureOut">
               <a:rPr lang="en-GB" smtClean="0"/>
-              <a:t>06/06/2016</a:t>
+              <a:t>21/02/2020</a:t>
             </a:fld>
             <a:endParaRPr lang="en-GB"/>
           </a:p>
@@ -2355,7 +2355,7 @@
           <a:p>
             <a:fld id="{F855B3F0-BB84-4743-96EB-565470B6C0EB}" type="datetimeFigureOut">
               <a:rPr lang="en-GB" smtClean="0"/>
-              <a:t>06/06/2016</a:t>
+              <a:t>21/02/2020</a:t>
             </a:fld>
             <a:endParaRPr lang="en-GB"/>
           </a:p>
@@ -2568,7 +2568,7 @@
           <a:p>
             <a:fld id="{F855B3F0-BB84-4743-96EB-565470B6C0EB}" type="datetimeFigureOut">
               <a:rPr lang="en-GB" smtClean="0"/>
-              <a:t>06/06/2016</a:t>
+              <a:t>21/02/2020</a:t>
             </a:fld>
             <a:endParaRPr lang="en-GB"/>
           </a:p>
@@ -2981,7 +2981,7 @@
         </p:nvSpPr>
         <p:spPr>
           <a:xfrm>
-            <a:off x="8296353" y="3029112"/>
+            <a:off x="8296353" y="3188643"/>
             <a:ext cx="1649759" cy="550678"/>
           </a:xfrm>
           <a:prstGeom prst="rect">
@@ -3023,7 +3023,7 @@
         </p:nvSpPr>
         <p:spPr>
           <a:xfrm>
-            <a:off x="2002634" y="5250141"/>
+            <a:off x="2002634" y="5145084"/>
             <a:ext cx="3944691" cy="1048662"/>
           </a:xfrm>
           <a:prstGeom prst="rect">
@@ -3067,14 +3067,203 @@
       </p:sp>
       <p:sp>
         <p:nvSpPr>
-          <p:cNvPr id="83" name="Rectangle 82"/>
+          <p:cNvPr id="84" name="Rectangle 83"/>
           <p:cNvSpPr/>
           <p:nvPr/>
         </p:nvSpPr>
         <p:spPr>
           <a:xfrm>
-            <a:off x="4614477" y="5495868"/>
-            <a:ext cx="1116419" cy="489972"/>
+            <a:off x="2233446" y="1963584"/>
+            <a:ext cx="3569661" cy="2678962"/>
+          </a:xfrm>
+          <a:prstGeom prst="rect">
+            <a:avLst/>
+          </a:prstGeom>
+        </p:spPr>
+        <p:style>
+          <a:lnRef idx="1">
+            <a:schemeClr val="accent1"/>
+          </a:lnRef>
+          <a:fillRef idx="2">
+            <a:schemeClr val="accent1"/>
+          </a:fillRef>
+          <a:effectRef idx="1">
+            <a:schemeClr val="accent1"/>
+          </a:effectRef>
+          <a:fontRef idx="minor">
+            <a:schemeClr val="dk1"/>
+          </a:fontRef>
+        </p:style>
+        <p:txBody>
+          <a:bodyPr rtlCol="0" anchor="t" anchorCtr="0"/>
+          <a:lstStyle/>
+          <a:p>
+            <a:r>
+              <a:rPr lang="en-GB" sz="1600" dirty="0">
+                <a:solidFill>
+                  <a:schemeClr val="tx2"/>
+                </a:solidFill>
+              </a:rPr>
+              <a:t>Interaction</a:t>
+            </a:r>
+          </a:p>
+        </p:txBody>
+      </p:sp>
+      <p:sp>
+        <p:nvSpPr>
+          <p:cNvPr id="85" name="Rectangle 84"/>
+          <p:cNvSpPr/>
+          <p:nvPr/>
+        </p:nvSpPr>
+        <p:spPr>
+          <a:xfrm>
+            <a:off x="335440" y="1963584"/>
+            <a:ext cx="1408904" cy="2678962"/>
+          </a:xfrm>
+          <a:prstGeom prst="rect">
+            <a:avLst/>
+          </a:prstGeom>
+        </p:spPr>
+        <p:style>
+          <a:lnRef idx="1">
+            <a:schemeClr val="dk1"/>
+          </a:lnRef>
+          <a:fillRef idx="2">
+            <a:schemeClr val="dk1"/>
+          </a:fillRef>
+          <a:effectRef idx="1">
+            <a:schemeClr val="dk1"/>
+          </a:effectRef>
+          <a:fontRef idx="minor">
+            <a:schemeClr val="dk1"/>
+          </a:fontRef>
+        </p:style>
+        <p:txBody>
+          <a:bodyPr rtlCol="0" anchor="ctr"/>
+          <a:lstStyle/>
+          <a:p>
+            <a:pPr algn="ctr"/>
+            <a:r>
+              <a:rPr lang="en-GB" sz="1600" dirty="0">
+                <a:solidFill>
+                  <a:schemeClr val="bg1"/>
+                </a:solidFill>
+              </a:rPr>
+              <a:t>Command</a:t>
+            </a:r>
+          </a:p>
+          <a:p>
+            <a:pPr algn="ctr"/>
+            <a:endParaRPr lang="en-GB" sz="1600" dirty="0">
+              <a:solidFill>
+                <a:schemeClr val="bg1"/>
+              </a:solidFill>
+            </a:endParaRPr>
+          </a:p>
+          <a:p>
+            <a:pPr algn="ctr"/>
+            <a:r>
+              <a:rPr lang="en-GB" sz="1200" dirty="0">
+                <a:solidFill>
+                  <a:schemeClr val="bg1"/>
+                </a:solidFill>
+              </a:rPr>
+              <a:t>(intention to execute)</a:t>
+            </a:r>
+            <a:endParaRPr lang="en-GB" sz="1100" dirty="0">
+              <a:solidFill>
+                <a:schemeClr val="bg1"/>
+              </a:solidFill>
+            </a:endParaRPr>
+          </a:p>
+        </p:txBody>
+      </p:sp>
+      <p:sp>
+        <p:nvSpPr>
+          <p:cNvPr id="86" name="Rectangle 85"/>
+          <p:cNvSpPr/>
+          <p:nvPr/>
+        </p:nvSpPr>
+        <p:spPr>
+          <a:xfrm>
+            <a:off x="2900657" y="2411922"/>
+            <a:ext cx="1116419" cy="2029047"/>
+          </a:xfrm>
+          <a:prstGeom prst="rect">
+            <a:avLst/>
+          </a:prstGeom>
+        </p:spPr>
+        <p:style>
+          <a:lnRef idx="2">
+            <a:schemeClr val="accent1">
+              <a:shade val="50000"/>
+            </a:schemeClr>
+          </a:lnRef>
+          <a:fillRef idx="1">
+            <a:schemeClr val="accent1"/>
+          </a:fillRef>
+          <a:effectRef idx="0">
+            <a:schemeClr val="accent1"/>
+          </a:effectRef>
+          <a:fontRef idx="minor">
+            <a:schemeClr val="lt1"/>
+          </a:fontRef>
+        </p:style>
+        <p:txBody>
+          <a:bodyPr rtlCol="0" anchor="ctr"/>
+          <a:lstStyle/>
+          <a:p>
+            <a:pPr algn="ctr"/>
+            <a:r>
+              <a:rPr lang="en-GB" sz="1600" dirty="0"/>
+              <a:t>Member</a:t>
+            </a:r>
+            <a:br>
+              <a:rPr lang="en-GB" sz="1600" dirty="0"/>
+            </a:br>
+            <a:r>
+              <a:rPr lang="en-GB" sz="1600" dirty="0"/>
+              <a:t>Execution</a:t>
+            </a:r>
+            <a:br>
+              <a:rPr lang="en-GB" sz="1600" dirty="0"/>
+            </a:br>
+            <a:endParaRPr lang="en-GB" sz="1600" dirty="0"/>
+          </a:p>
+          <a:p>
+            <a:pPr algn="ctr"/>
+            <a:r>
+              <a:rPr lang="en-GB" sz="1200" dirty="0"/>
+              <a:t>action invocation</a:t>
+            </a:r>
+            <a:br>
+              <a:rPr lang="en-GB" sz="1200" dirty="0"/>
+            </a:br>
+            <a:r>
+              <a:rPr lang="en-GB" sz="1200" dirty="0"/>
+              <a:t>or</a:t>
+            </a:r>
+            <a:br>
+              <a:rPr lang="en-GB" sz="1200" dirty="0"/>
+            </a:br>
+            <a:r>
+              <a:rPr lang="en-GB" sz="1200" dirty="0"/>
+              <a:t>property edit</a:t>
+            </a:r>
+            <a:endParaRPr lang="en-GB" sz="1400" dirty="0"/>
+          </a:p>
+        </p:txBody>
+      </p:sp>
+      <p:sp>
+        <p:nvSpPr>
+          <p:cNvPr id="89" name="Rectangle 88"/>
+          <p:cNvSpPr/>
+          <p:nvPr/>
+        </p:nvSpPr>
+        <p:spPr>
+          <a:xfrm>
+            <a:off x="2900655" y="5280943"/>
+            <a:ext cx="1116419" cy="522347"/>
           </a:xfrm>
           <a:prstGeom prst="rect">
             <a:avLst/>
@@ -3101,137 +3290,35 @@
           <a:lstStyle/>
           <a:p>
             <a:pPr algn="ctr"/>
-            <a:endParaRPr lang="en-GB" sz="1600" dirty="0"/>
-          </a:p>
-        </p:txBody>
-      </p:sp>
-      <p:sp>
-        <p:nvSpPr>
-          <p:cNvPr id="84" name="Rectangle 83"/>
+            <a:r>
+              <a:rPr lang="en-GB" sz="1400" dirty="0"/>
+              <a:t>Domain</a:t>
+            </a:r>
+          </a:p>
+          <a:p>
+            <a:pPr algn="ctr"/>
+            <a:r>
+              <a:rPr lang="en-GB" sz="1400" dirty="0"/>
+              <a:t>Event</a:t>
+            </a:r>
+          </a:p>
+        </p:txBody>
+      </p:sp>
+      <p:sp>
+        <p:nvSpPr>
+          <p:cNvPr id="91" name="Rectangle 90"/>
           <p:cNvSpPr/>
           <p:nvPr/>
         </p:nvSpPr>
         <p:spPr>
           <a:xfrm>
-            <a:off x="2233446" y="2068641"/>
-            <a:ext cx="3569661" cy="2678962"/>
+            <a:off x="2013706" y="315219"/>
+            <a:ext cx="3933616" cy="1005107"/>
           </a:xfrm>
           <a:prstGeom prst="rect">
             <a:avLst/>
           </a:prstGeom>
-        </p:spPr>
-        <p:style>
-          <a:lnRef idx="1">
-            <a:schemeClr val="accent1"/>
-          </a:lnRef>
-          <a:fillRef idx="2">
-            <a:schemeClr val="accent1"/>
-          </a:fillRef>
-          <a:effectRef idx="1">
-            <a:schemeClr val="accent1"/>
-          </a:effectRef>
-          <a:fontRef idx="minor">
-            <a:schemeClr val="dk1"/>
-          </a:fontRef>
-        </p:style>
-        <p:txBody>
-          <a:bodyPr rtlCol="0" anchor="t" anchorCtr="0"/>
-          <a:lstStyle/>
-          <a:p>
-            <a:r>
-              <a:rPr lang="en-GB" sz="1600" dirty="0">
-                <a:solidFill>
-                  <a:schemeClr val="tx2"/>
-                </a:solidFill>
-              </a:rPr>
-              <a:t>Interaction</a:t>
-            </a:r>
-          </a:p>
-        </p:txBody>
-      </p:sp>
-      <p:sp>
-        <p:nvSpPr>
-          <p:cNvPr id="85" name="Rectangle 84"/>
-          <p:cNvSpPr/>
-          <p:nvPr/>
-        </p:nvSpPr>
-        <p:spPr>
-          <a:xfrm>
-            <a:off x="335440" y="2068641"/>
-            <a:ext cx="1408904" cy="2678962"/>
-          </a:xfrm>
-          <a:prstGeom prst="rect">
-            <a:avLst/>
-          </a:prstGeom>
-        </p:spPr>
-        <p:style>
-          <a:lnRef idx="1">
-            <a:schemeClr val="dk1"/>
-          </a:lnRef>
-          <a:fillRef idx="2">
-            <a:schemeClr val="dk1"/>
-          </a:fillRef>
-          <a:effectRef idx="1">
-            <a:schemeClr val="dk1"/>
-          </a:effectRef>
-          <a:fontRef idx="minor">
-            <a:schemeClr val="dk1"/>
-          </a:fontRef>
-        </p:style>
-        <p:txBody>
-          <a:bodyPr rtlCol="0" anchor="ctr"/>
-          <a:lstStyle/>
-          <a:p>
-            <a:pPr algn="ctr"/>
-            <a:r>
-              <a:rPr lang="en-GB" sz="1600" dirty="0">
-                <a:solidFill>
-                  <a:schemeClr val="bg1"/>
-                </a:solidFill>
-              </a:rPr>
-              <a:t>Command</a:t>
-            </a:r>
-          </a:p>
-          <a:p>
-            <a:pPr algn="ctr"/>
-            <a:endParaRPr lang="en-GB" sz="1600" dirty="0">
-              <a:solidFill>
-                <a:schemeClr val="bg1"/>
-              </a:solidFill>
-            </a:endParaRPr>
-          </a:p>
-          <a:p>
-            <a:pPr algn="ctr"/>
-            <a:r>
-              <a:rPr lang="en-GB" sz="1200" dirty="0">
-                <a:solidFill>
-                  <a:schemeClr val="bg1"/>
-                </a:solidFill>
-              </a:rPr>
-              <a:t>(intention to execute)</a:t>
-            </a:r>
-            <a:endParaRPr lang="en-GB" sz="1100" dirty="0">
-              <a:solidFill>
-                <a:schemeClr val="bg1"/>
-              </a:solidFill>
-            </a:endParaRPr>
-          </a:p>
-        </p:txBody>
-      </p:sp>
-      <p:sp>
-        <p:nvSpPr>
-          <p:cNvPr id="86" name="Rectangle 85"/>
-          <p:cNvSpPr/>
-          <p:nvPr/>
-        </p:nvSpPr>
-        <p:spPr>
-          <a:xfrm>
-            <a:off x="2453187" y="2516979"/>
-            <a:ext cx="1116419" cy="2029047"/>
-          </a:xfrm>
-          <a:prstGeom prst="rect">
-            <a:avLst/>
-          </a:prstGeom>
+          <a:noFill/>
         </p:spPr>
         <p:style>
           <a:lnRef idx="2">
@@ -3250,64 +3337,199 @@
           </a:fontRef>
         </p:style>
         <p:txBody>
-          <a:bodyPr rtlCol="0" anchor="ctr"/>
+          <a:bodyPr rtlCol="0" anchor="t" anchorCtr="0"/>
           <a:lstStyle/>
           <a:p>
             <a:pPr algn="ctr"/>
             <a:r>
-              <a:rPr lang="en-GB" sz="1600" dirty="0"/>
-              <a:t>Member</a:t>
-            </a:r>
-            <a:br>
-              <a:rPr lang="en-GB" sz="1600" dirty="0"/>
-            </a:br>
-            <a:r>
-              <a:rPr lang="en-GB" sz="1600" dirty="0"/>
-              <a:t>Execution</a:t>
-            </a:r>
-            <a:br>
-              <a:rPr lang="en-GB" sz="1600" dirty="0"/>
-            </a:br>
-            <a:endParaRPr lang="en-GB" sz="1600" dirty="0"/>
-          </a:p>
-          <a:p>
-            <a:pPr algn="ctr"/>
-            <a:r>
-              <a:rPr lang="en-GB" sz="1200" dirty="0"/>
-              <a:t>action invocation</a:t>
-            </a:r>
-            <a:br>
-              <a:rPr lang="en-GB" sz="1200" dirty="0"/>
-            </a:br>
-            <a:r>
-              <a:rPr lang="en-GB" sz="1200" dirty="0"/>
-              <a:t>or</a:t>
-            </a:r>
-            <a:br>
-              <a:rPr lang="en-GB" sz="1200" dirty="0"/>
-            </a:br>
-            <a:r>
-              <a:rPr lang="en-GB" sz="1200" dirty="0"/>
-              <a:t>property edit</a:t>
-            </a:r>
-            <a:endParaRPr lang="en-GB" sz="1400" dirty="0"/>
-          </a:p>
-        </p:txBody>
-      </p:sp>
-      <p:sp>
-        <p:nvSpPr>
-          <p:cNvPr id="87" name="Rectangle 86"/>
+              <a:rPr lang="en-GB" sz="1600" i="1" dirty="0" err="1">
+                <a:solidFill>
+                  <a:schemeClr val="accent6"/>
+                </a:solidFill>
+              </a:rPr>
+              <a:t>ChangedObjectService</a:t>
+            </a:r>
+            <a:endParaRPr lang="en-GB" sz="1600" i="1" dirty="0">
+              <a:solidFill>
+                <a:schemeClr val="accent6"/>
+              </a:solidFill>
+            </a:endParaRPr>
+          </a:p>
+        </p:txBody>
+      </p:sp>
+      <p:cxnSp>
+        <p:nvCxnSpPr>
+          <p:cNvPr id="92" name="Straight Arrow Connector 91"/>
+          <p:cNvCxnSpPr/>
+          <p:nvPr/>
+        </p:nvCxnSpPr>
+        <p:spPr>
+          <a:xfrm flipH="1">
+            <a:off x="3047154" y="4413680"/>
+            <a:ext cx="2" cy="839974"/>
+          </a:xfrm>
+          <a:prstGeom prst="straightConnector1">
+            <a:avLst/>
+          </a:prstGeom>
+          <a:ln w="19050">
+            <a:solidFill>
+              <a:schemeClr val="bg1">
+                <a:lumMod val="50000"/>
+              </a:schemeClr>
+            </a:solidFill>
+            <a:prstDash val="sysDash"/>
+            <a:tailEnd type="triangle"/>
+          </a:ln>
+        </p:spPr>
+        <p:style>
+          <a:lnRef idx="1">
+            <a:schemeClr val="accent1"/>
+          </a:lnRef>
+          <a:fillRef idx="0">
+            <a:schemeClr val="accent1"/>
+          </a:fillRef>
+          <a:effectRef idx="0">
+            <a:schemeClr val="accent1"/>
+          </a:effectRef>
+          <a:fontRef idx="minor">
+            <a:schemeClr val="tx1"/>
+          </a:fontRef>
+        </p:style>
+      </p:cxnSp>
+      <p:sp>
+        <p:nvSpPr>
+          <p:cNvPr id="94" name="Rectangle 93"/>
           <p:cNvSpPr/>
           <p:nvPr/>
         </p:nvSpPr>
         <p:spPr>
           <a:xfrm>
-            <a:off x="4515242" y="2786334"/>
-            <a:ext cx="1116419" cy="655674"/>
+            <a:off x="2453183" y="684352"/>
+            <a:ext cx="3178477" cy="467623"/>
           </a:xfrm>
           <a:prstGeom prst="rect">
             <a:avLst/>
           </a:prstGeom>
+        </p:spPr>
+        <p:style>
+          <a:lnRef idx="2">
+            <a:schemeClr val="accent6">
+              <a:shade val="50000"/>
+            </a:schemeClr>
+          </a:lnRef>
+          <a:fillRef idx="1">
+            <a:schemeClr val="accent6"/>
+          </a:fillRef>
+          <a:effectRef idx="0">
+            <a:schemeClr val="accent6"/>
+          </a:effectRef>
+          <a:fontRef idx="minor">
+            <a:schemeClr val="lt1"/>
+          </a:fontRef>
+        </p:style>
+        <p:txBody>
+          <a:bodyPr rtlCol="0" anchor="ctr"/>
+          <a:lstStyle/>
+          <a:p>
+            <a:pPr algn="ctr"/>
+            <a:r>
+              <a:rPr lang="en-GB" sz="1600" dirty="0" err="1"/>
+              <a:t>ChangedObjects</a:t>
+            </a:r>
+            <a:endParaRPr lang="en-GB" sz="1600" dirty="0"/>
+          </a:p>
+        </p:txBody>
+      </p:sp>
+      <p:cxnSp>
+        <p:nvCxnSpPr>
+          <p:cNvPr id="97" name="Straight Arrow Connector 96"/>
+          <p:cNvCxnSpPr>
+            <a:stCxn id="86" idx="0"/>
+          </p:cNvCxnSpPr>
+          <p:nvPr/>
+        </p:nvCxnSpPr>
+        <p:spPr>
+          <a:xfrm flipH="1" flipV="1">
+            <a:off x="3458864" y="1173309"/>
+            <a:ext cx="3" cy="1238610"/>
+          </a:xfrm>
+          <a:prstGeom prst="straightConnector1">
+            <a:avLst/>
+          </a:prstGeom>
+          <a:ln w="19050">
+            <a:solidFill>
+              <a:schemeClr val="accent6">
+                <a:lumMod val="60000"/>
+                <a:lumOff val="40000"/>
+              </a:schemeClr>
+            </a:solidFill>
+            <a:prstDash val="sysDash"/>
+            <a:tailEnd type="triangle"/>
+          </a:ln>
+        </p:spPr>
+        <p:style>
+          <a:lnRef idx="1">
+            <a:schemeClr val="accent1"/>
+          </a:lnRef>
+          <a:fillRef idx="0">
+            <a:schemeClr val="accent1"/>
+          </a:fillRef>
+          <a:effectRef idx="0">
+            <a:schemeClr val="accent1"/>
+          </a:effectRef>
+          <a:fontRef idx="minor">
+            <a:schemeClr val="tx1"/>
+          </a:fontRef>
+        </p:style>
+      </p:cxnSp>
+      <p:sp>
+        <p:nvSpPr>
+          <p:cNvPr id="98" name="TextBox 97"/>
+          <p:cNvSpPr txBox="1"/>
+          <p:nvPr/>
+        </p:nvSpPr>
+        <p:spPr>
+          <a:xfrm>
+            <a:off x="3453351" y="1298139"/>
+            <a:ext cx="2141933" cy="261610"/>
+          </a:xfrm>
+          <a:prstGeom prst="rect">
+            <a:avLst/>
+          </a:prstGeom>
+          <a:noFill/>
+        </p:spPr>
+        <p:txBody>
+          <a:bodyPr wrap="none" rtlCol="0">
+            <a:spAutoFit/>
+          </a:bodyPr>
+          <a:lstStyle/>
+          <a:p>
+            <a:r>
+              <a:rPr lang="en-GB" sz="1100" dirty="0">
+                <a:solidFill>
+                  <a:schemeClr val="accent6"/>
+                </a:solidFill>
+              </a:rPr>
+              <a:t>enlist objects as they are modified</a:t>
+            </a:r>
+          </a:p>
+        </p:txBody>
+      </p:sp>
+      <p:sp>
+        <p:nvSpPr>
+          <p:cNvPr id="99" name="Rectangle 98"/>
+          <p:cNvSpPr/>
+          <p:nvPr/>
+        </p:nvSpPr>
+        <p:spPr>
+          <a:xfrm>
+            <a:off x="2013708" y="1595876"/>
+            <a:ext cx="3933617" cy="3174087"/>
+          </a:xfrm>
+          <a:prstGeom prst="rect">
+            <a:avLst/>
+          </a:prstGeom>
+          <a:noFill/>
         </p:spPr>
         <p:style>
           <a:lnRef idx="2">
@@ -3326,64 +3548,35 @@
           </a:fontRef>
         </p:style>
         <p:txBody>
-          <a:bodyPr rtlCol="0" anchor="ctr"/>
-          <a:lstStyle/>
-          <a:p>
-            <a:pPr algn="ctr"/>
-            <a:r>
-              <a:rPr lang="en-GB" sz="1600" dirty="0"/>
-              <a:t>Sub-execution</a:t>
-            </a:r>
-          </a:p>
-        </p:txBody>
-      </p:sp>
-      <p:cxnSp>
-        <p:nvCxnSpPr>
-          <p:cNvPr id="88" name="Straight Arrow Connector 87"/>
-          <p:cNvCxnSpPr>
-            <a:stCxn id="86" idx="3"/>
-            <a:endCxn id="96" idx="1"/>
-          </p:cNvCxnSpPr>
-          <p:nvPr/>
-        </p:nvCxnSpPr>
-        <p:spPr>
-          <a:xfrm>
-            <a:off x="3569606" y="3531503"/>
-            <a:ext cx="945637" cy="437707"/>
-          </a:xfrm>
-          <a:prstGeom prst="straightConnector1">
-            <a:avLst/>
-          </a:prstGeom>
-          <a:ln w="22225">
-            <a:prstDash val="sysDash"/>
-            <a:tailEnd type="triangle"/>
-          </a:ln>
-        </p:spPr>
-        <p:style>
-          <a:lnRef idx="1">
-            <a:schemeClr val="accent1"/>
-          </a:lnRef>
-          <a:fillRef idx="0">
-            <a:schemeClr val="accent1"/>
-          </a:fillRef>
-          <a:effectRef idx="0">
-            <a:schemeClr val="accent1"/>
-          </a:effectRef>
-          <a:fontRef idx="minor">
-            <a:schemeClr val="tx1"/>
-          </a:fontRef>
-        </p:style>
-      </p:cxnSp>
-      <p:sp>
-        <p:nvSpPr>
-          <p:cNvPr id="89" name="Rectangle 88"/>
+          <a:bodyPr rtlCol="0" anchor="t" anchorCtr="0"/>
+          <a:lstStyle/>
+          <a:p>
+            <a:r>
+              <a:rPr lang="en-GB" sz="1600" dirty="0" err="1">
+                <a:solidFill>
+                  <a:schemeClr val="tx2"/>
+                </a:solidFill>
+              </a:rPr>
+              <a:t>InteractionContext</a:t>
+            </a:r>
+            <a:endParaRPr lang="en-GB" sz="1600" dirty="0">
+              <a:solidFill>
+                <a:schemeClr val="tx2"/>
+              </a:solidFill>
+            </a:endParaRPr>
+          </a:p>
+        </p:txBody>
+      </p:sp>
+      <p:sp>
+        <p:nvSpPr>
+          <p:cNvPr id="100" name="Rectangle 99"/>
           <p:cNvSpPr/>
           <p:nvPr/>
         </p:nvSpPr>
         <p:spPr>
           <a:xfrm>
-            <a:off x="2453185" y="5386000"/>
-            <a:ext cx="1116419" cy="522347"/>
+            <a:off x="6150645" y="2286384"/>
+            <a:ext cx="1696533" cy="600163"/>
           </a:xfrm>
           <a:prstGeom prst="rect">
             <a:avLst/>
@@ -3391,49 +3584,63 @@
         </p:spPr>
         <p:style>
           <a:lnRef idx="2">
-            <a:schemeClr val="accent5">
-              <a:shade val="50000"/>
-            </a:schemeClr>
+            <a:schemeClr val="accent2"/>
           </a:lnRef>
           <a:fillRef idx="1">
-            <a:schemeClr val="accent5"/>
+            <a:schemeClr val="lt1"/>
           </a:fillRef>
           <a:effectRef idx="0">
-            <a:schemeClr val="accent5"/>
+            <a:schemeClr val="accent2"/>
           </a:effectRef>
           <a:fontRef idx="minor">
-            <a:schemeClr val="lt1"/>
+            <a:schemeClr val="dk1"/>
           </a:fontRef>
         </p:style>
         <p:txBody>
-          <a:bodyPr rtlCol="0" anchor="ctr"/>
-          <a:lstStyle/>
-          <a:p>
-            <a:pPr algn="ctr"/>
-            <a:r>
-              <a:rPr lang="en-GB" sz="1400" dirty="0"/>
-              <a:t>Domain</a:t>
-            </a:r>
-          </a:p>
-          <a:p>
-            <a:pPr algn="ctr"/>
-            <a:r>
-              <a:rPr lang="en-GB" sz="1400" dirty="0"/>
-              <a:t>Event</a:t>
-            </a:r>
-          </a:p>
-        </p:txBody>
-      </p:sp>
-      <p:sp>
-        <p:nvSpPr>
-          <p:cNvPr id="90" name="Rectangle 89"/>
+          <a:bodyPr rtlCol="0" anchor="t" anchorCtr="0"/>
+          <a:lstStyle/>
+          <a:p>
+            <a:r>
+              <a:rPr lang="en-GB" sz="1600" i="1" dirty="0">
+                <a:solidFill>
+                  <a:schemeClr val="accent2"/>
+                </a:solidFill>
+              </a:rPr>
+              <a:t>Publisher</a:t>
+            </a:r>
+            <a:br>
+              <a:rPr lang="en-GB" sz="1600" i="1" dirty="0">
+                <a:solidFill>
+                  <a:schemeClr val="accent2"/>
+                </a:solidFill>
+              </a:rPr>
+            </a:br>
+            <a:r>
+              <a:rPr lang="en-GB" sz="1600" i="1" dirty="0" err="1">
+                <a:solidFill>
+                  <a:schemeClr val="accent2"/>
+                </a:solidFill>
+              </a:rPr>
+              <a:t>DispatchService</a:t>
+            </a:r>
+            <a:endParaRPr lang="en-GB" sz="1600" i="1" dirty="0">
+              <a:solidFill>
+                <a:schemeClr val="accent2"/>
+              </a:solidFill>
+            </a:endParaRPr>
+          </a:p>
+        </p:txBody>
+      </p:sp>
+      <p:sp>
+        <p:nvSpPr>
+          <p:cNvPr id="101" name="Rectangle 100"/>
           <p:cNvSpPr/>
           <p:nvPr/>
         </p:nvSpPr>
         <p:spPr>
           <a:xfrm>
-            <a:off x="4515241" y="5386000"/>
-            <a:ext cx="1116419" cy="522348"/>
+            <a:off x="6150646" y="272748"/>
+            <a:ext cx="1633864" cy="550678"/>
           </a:xfrm>
           <a:prstGeom prst="rect">
             <a:avLst/>
@@ -3441,49 +3648,124 @@
         </p:spPr>
         <p:style>
           <a:lnRef idx="2">
-            <a:schemeClr val="accent5">
-              <a:shade val="50000"/>
-            </a:schemeClr>
+            <a:schemeClr val="accent4"/>
           </a:lnRef>
           <a:fillRef idx="1">
-            <a:schemeClr val="accent5"/>
+            <a:schemeClr val="lt1"/>
           </a:fillRef>
           <a:effectRef idx="0">
-            <a:schemeClr val="accent5"/>
+            <a:schemeClr val="accent4"/>
           </a:effectRef>
           <a:fontRef idx="minor">
-            <a:schemeClr val="lt1"/>
+            <a:schemeClr val="dk1"/>
           </a:fontRef>
         </p:style>
         <p:txBody>
-          <a:bodyPr rtlCol="0" anchor="ctr"/>
-          <a:lstStyle/>
-          <a:p>
-            <a:pPr algn="ctr"/>
-            <a:r>
-              <a:rPr lang="en-GB" sz="1400" dirty="0"/>
-              <a:t>Domain</a:t>
-            </a:r>
-          </a:p>
-          <a:p>
-            <a:pPr algn="ctr"/>
-            <a:r>
-              <a:rPr lang="en-GB" sz="1400" dirty="0"/>
-              <a:t>Event</a:t>
-            </a:r>
-          </a:p>
-        </p:txBody>
-      </p:sp>
-      <p:sp>
-        <p:nvSpPr>
-          <p:cNvPr id="91" name="Rectangle 90"/>
+          <a:bodyPr rtlCol="0" anchor="t" anchorCtr="0"/>
+          <a:lstStyle/>
+          <a:p>
+            <a:r>
+              <a:rPr lang="en-GB" sz="1600" i="1" dirty="0">
+                <a:solidFill>
+                  <a:schemeClr val="accent4"/>
+                </a:solidFill>
+              </a:rPr>
+              <a:t>Auditing</a:t>
+            </a:r>
+            <a:br>
+              <a:rPr lang="en-GB" sz="1600" i="1" dirty="0">
+                <a:solidFill>
+                  <a:schemeClr val="accent4"/>
+                </a:solidFill>
+              </a:rPr>
+            </a:br>
+            <a:r>
+              <a:rPr lang="en-GB" sz="1600" i="1" dirty="0" err="1">
+                <a:solidFill>
+                  <a:schemeClr val="accent4"/>
+                </a:solidFill>
+              </a:rPr>
+              <a:t>DispatchService</a:t>
+            </a:r>
+            <a:endParaRPr lang="en-GB" sz="1600" i="1" dirty="0">
+              <a:solidFill>
+                <a:schemeClr val="accent4"/>
+              </a:solidFill>
+            </a:endParaRPr>
+          </a:p>
+        </p:txBody>
+      </p:sp>
+      <p:sp>
+        <p:nvSpPr>
+          <p:cNvPr id="102" name="Rectangle 101"/>
           <p:cNvSpPr/>
           <p:nvPr/>
         </p:nvSpPr>
         <p:spPr>
           <a:xfrm>
-            <a:off x="2013706" y="420276"/>
-            <a:ext cx="3933616" cy="1005107"/>
+            <a:off x="8220733" y="3099063"/>
+            <a:ext cx="1649759" cy="550678"/>
+          </a:xfrm>
+          <a:prstGeom prst="rect">
+            <a:avLst/>
+          </a:prstGeom>
+        </p:spPr>
+        <p:style>
+          <a:lnRef idx="1">
+            <a:schemeClr val="accent3"/>
+          </a:lnRef>
+          <a:fillRef idx="2">
+            <a:schemeClr val="accent3"/>
+          </a:fillRef>
+          <a:effectRef idx="1">
+            <a:schemeClr val="accent3"/>
+          </a:effectRef>
+          <a:fontRef idx="minor">
+            <a:schemeClr val="dk1"/>
+          </a:fontRef>
+        </p:style>
+        <p:txBody>
+          <a:bodyPr rtlCol="0" anchor="t" anchorCtr="0"/>
+          <a:lstStyle/>
+          <a:p>
+            <a:pPr algn="ctr"/>
+            <a:r>
+              <a:rPr lang="en-GB" sz="1600" dirty="0" err="1">
+                <a:solidFill>
+                  <a:schemeClr val="tx1"/>
+                </a:solidFill>
+              </a:rPr>
+              <a:t>PublisherService</a:t>
+            </a:r>
+            <a:endParaRPr lang="en-GB" sz="1600" dirty="0">
+              <a:solidFill>
+                <a:schemeClr val="tx1"/>
+              </a:solidFill>
+            </a:endParaRPr>
+          </a:p>
+          <a:p>
+            <a:pPr algn="ctr"/>
+            <a:r>
+              <a:rPr lang="en-GB" sz="1600" dirty="0">
+                <a:solidFill>
+                  <a:schemeClr val="tx1"/>
+                </a:solidFill>
+              </a:rPr>
+              <a:t>SPI</a:t>
+            </a:r>
+          </a:p>
+        </p:txBody>
+      </p:sp>
+      <p:sp>
+        <p:nvSpPr>
+          <p:cNvPr id="103" name="Rectangle 102"/>
+          <p:cNvSpPr/>
+          <p:nvPr/>
+        </p:nvSpPr>
+        <p:spPr>
+          <a:xfrm>
+            <a:off x="197299" y="1595876"/>
+            <a:ext cx="1697674" cy="3174087"/>
           </a:xfrm>
           <a:prstGeom prst="rect">
             <a:avLst/>
@@ -3510,572 +3792,6 @@
           <a:bodyPr rtlCol="0" anchor="t" anchorCtr="0"/>
           <a:lstStyle/>
           <a:p>
-            <a:pPr algn="ctr"/>
-            <a:r>
-              <a:rPr lang="en-GB" sz="1600" i="1" dirty="0" err="1">
-                <a:solidFill>
-                  <a:schemeClr val="accent6"/>
-                </a:solidFill>
-              </a:rPr>
-              <a:t>ChangedObjectServiceInternal</a:t>
-            </a:r>
-            <a:endParaRPr lang="en-GB" sz="1600" i="1" dirty="0">
-              <a:solidFill>
-                <a:schemeClr val="accent6"/>
-              </a:solidFill>
-            </a:endParaRPr>
-          </a:p>
-        </p:txBody>
-      </p:sp>
-      <p:cxnSp>
-        <p:nvCxnSpPr>
-          <p:cNvPr id="92" name="Straight Arrow Connector 91"/>
-          <p:cNvCxnSpPr/>
-          <p:nvPr/>
-        </p:nvCxnSpPr>
-        <p:spPr>
-          <a:xfrm flipH="1">
-            <a:off x="2599684" y="4518737"/>
-            <a:ext cx="2" cy="839974"/>
-          </a:xfrm>
-          <a:prstGeom prst="straightConnector1">
-            <a:avLst/>
-          </a:prstGeom>
-          <a:ln w="19050">
-            <a:solidFill>
-              <a:schemeClr val="bg1">
-                <a:lumMod val="50000"/>
-              </a:schemeClr>
-            </a:solidFill>
-            <a:prstDash val="sysDash"/>
-            <a:tailEnd type="triangle"/>
-          </a:ln>
-        </p:spPr>
-        <p:style>
-          <a:lnRef idx="1">
-            <a:schemeClr val="accent1"/>
-          </a:lnRef>
-          <a:fillRef idx="0">
-            <a:schemeClr val="accent1"/>
-          </a:fillRef>
-          <a:effectRef idx="0">
-            <a:schemeClr val="accent1"/>
-          </a:effectRef>
-          <a:fontRef idx="minor">
-            <a:schemeClr val="tx1"/>
-          </a:fontRef>
-        </p:style>
-      </p:cxnSp>
-      <p:cxnSp>
-        <p:nvCxnSpPr>
-          <p:cNvPr id="93" name="Straight Arrow Connector 92"/>
-          <p:cNvCxnSpPr>
-            <a:stCxn id="86" idx="3"/>
-            <a:endCxn id="87" idx="1"/>
-          </p:cNvCxnSpPr>
-          <p:nvPr/>
-        </p:nvCxnSpPr>
-        <p:spPr>
-          <a:xfrm flipV="1">
-            <a:off x="3569606" y="3114174"/>
-            <a:ext cx="945637" cy="417329"/>
-          </a:xfrm>
-          <a:prstGeom prst="straightConnector1">
-            <a:avLst/>
-          </a:prstGeom>
-          <a:ln w="22225">
-            <a:prstDash val="sysDash"/>
-            <a:tailEnd type="triangle"/>
-          </a:ln>
-        </p:spPr>
-        <p:style>
-          <a:lnRef idx="1">
-            <a:schemeClr val="accent1"/>
-          </a:lnRef>
-          <a:fillRef idx="0">
-            <a:schemeClr val="accent1"/>
-          </a:fillRef>
-          <a:effectRef idx="0">
-            <a:schemeClr val="accent1"/>
-          </a:effectRef>
-          <a:fontRef idx="minor">
-            <a:schemeClr val="tx1"/>
-          </a:fontRef>
-        </p:style>
-      </p:cxnSp>
-      <p:sp>
-        <p:nvSpPr>
-          <p:cNvPr id="94" name="Rectangle 93"/>
-          <p:cNvSpPr/>
-          <p:nvPr/>
-        </p:nvSpPr>
-        <p:spPr>
-          <a:xfrm>
-            <a:off x="2453183" y="789409"/>
-            <a:ext cx="3178477" cy="467623"/>
-          </a:xfrm>
-          <a:prstGeom prst="rect">
-            <a:avLst/>
-          </a:prstGeom>
-        </p:spPr>
-        <p:style>
-          <a:lnRef idx="2">
-            <a:schemeClr val="accent6">
-              <a:shade val="50000"/>
-            </a:schemeClr>
-          </a:lnRef>
-          <a:fillRef idx="1">
-            <a:schemeClr val="accent6"/>
-          </a:fillRef>
-          <a:effectRef idx="0">
-            <a:schemeClr val="accent6"/>
-          </a:effectRef>
-          <a:fontRef idx="minor">
-            <a:schemeClr val="lt1"/>
-          </a:fontRef>
-        </p:style>
-        <p:txBody>
-          <a:bodyPr rtlCol="0" anchor="ctr"/>
-          <a:lstStyle/>
-          <a:p>
-            <a:pPr algn="ctr"/>
-            <a:r>
-              <a:rPr lang="en-GB" sz="1600" dirty="0" err="1"/>
-              <a:t>ChangedObjects</a:t>
-            </a:r>
-            <a:endParaRPr lang="en-GB" sz="1600" dirty="0"/>
-          </a:p>
-        </p:txBody>
-      </p:sp>
-      <p:cxnSp>
-        <p:nvCxnSpPr>
-          <p:cNvPr id="95" name="Straight Arrow Connector 94"/>
-          <p:cNvCxnSpPr/>
-          <p:nvPr/>
-        </p:nvCxnSpPr>
-        <p:spPr>
-          <a:xfrm flipH="1">
-            <a:off x="4654684" y="4312996"/>
-            <a:ext cx="1" cy="1088952"/>
-          </a:xfrm>
-          <a:prstGeom prst="straightConnector1">
-            <a:avLst/>
-          </a:prstGeom>
-          <a:ln w="19050">
-            <a:solidFill>
-              <a:schemeClr val="bg1">
-                <a:lumMod val="50000"/>
-              </a:schemeClr>
-            </a:solidFill>
-            <a:prstDash val="sysDash"/>
-            <a:tailEnd type="triangle"/>
-          </a:ln>
-        </p:spPr>
-        <p:style>
-          <a:lnRef idx="1">
-            <a:schemeClr val="accent1"/>
-          </a:lnRef>
-          <a:fillRef idx="0">
-            <a:schemeClr val="accent1"/>
-          </a:fillRef>
-          <a:effectRef idx="0">
-            <a:schemeClr val="accent1"/>
-          </a:effectRef>
-          <a:fontRef idx="minor">
-            <a:schemeClr val="tx1"/>
-          </a:fontRef>
-        </p:style>
-      </p:cxnSp>
-      <p:sp>
-        <p:nvSpPr>
-          <p:cNvPr id="96" name="Rectangle 95"/>
-          <p:cNvSpPr/>
-          <p:nvPr/>
-        </p:nvSpPr>
-        <p:spPr>
-          <a:xfrm>
-            <a:off x="4515242" y="3641370"/>
-            <a:ext cx="1116419" cy="655674"/>
-          </a:xfrm>
-          <a:prstGeom prst="rect">
-            <a:avLst/>
-          </a:prstGeom>
-        </p:spPr>
-        <p:style>
-          <a:lnRef idx="2">
-            <a:schemeClr val="accent1">
-              <a:shade val="50000"/>
-            </a:schemeClr>
-          </a:lnRef>
-          <a:fillRef idx="1">
-            <a:schemeClr val="accent1"/>
-          </a:fillRef>
-          <a:effectRef idx="0">
-            <a:schemeClr val="accent1"/>
-          </a:effectRef>
-          <a:fontRef idx="minor">
-            <a:schemeClr val="lt1"/>
-          </a:fontRef>
-        </p:style>
-        <p:txBody>
-          <a:bodyPr rtlCol="0" anchor="ctr"/>
-          <a:lstStyle/>
-          <a:p>
-            <a:pPr algn="ctr"/>
-            <a:r>
-              <a:rPr lang="en-GB" sz="1600" dirty="0"/>
-              <a:t>Sub-execution</a:t>
-            </a:r>
-          </a:p>
-        </p:txBody>
-      </p:sp>
-      <p:cxnSp>
-        <p:nvCxnSpPr>
-          <p:cNvPr id="97" name="Straight Arrow Connector 96"/>
-          <p:cNvCxnSpPr>
-            <a:stCxn id="86" idx="0"/>
-          </p:cNvCxnSpPr>
-          <p:nvPr/>
-        </p:nvCxnSpPr>
-        <p:spPr>
-          <a:xfrm flipH="1" flipV="1">
-            <a:off x="3011394" y="1278366"/>
-            <a:ext cx="3" cy="1238610"/>
-          </a:xfrm>
-          <a:prstGeom prst="straightConnector1">
-            <a:avLst/>
-          </a:prstGeom>
-          <a:ln w="19050">
-            <a:solidFill>
-              <a:schemeClr val="accent6">
-                <a:lumMod val="60000"/>
-                <a:lumOff val="40000"/>
-              </a:schemeClr>
-            </a:solidFill>
-            <a:prstDash val="sysDash"/>
-            <a:tailEnd type="triangle"/>
-          </a:ln>
-        </p:spPr>
-        <p:style>
-          <a:lnRef idx="1">
-            <a:schemeClr val="accent1"/>
-          </a:lnRef>
-          <a:fillRef idx="0">
-            <a:schemeClr val="accent1"/>
-          </a:fillRef>
-          <a:effectRef idx="0">
-            <a:schemeClr val="accent1"/>
-          </a:effectRef>
-          <a:fontRef idx="minor">
-            <a:schemeClr val="tx1"/>
-          </a:fontRef>
-        </p:style>
-      </p:cxnSp>
-      <p:sp>
-        <p:nvSpPr>
-          <p:cNvPr id="98" name="TextBox 97"/>
-          <p:cNvSpPr txBox="1"/>
-          <p:nvPr/>
-        </p:nvSpPr>
-        <p:spPr>
-          <a:xfrm>
-            <a:off x="2990318" y="1403196"/>
-            <a:ext cx="2141933" cy="261610"/>
-          </a:xfrm>
-          <a:prstGeom prst="rect">
-            <a:avLst/>
-          </a:prstGeom>
-          <a:noFill/>
-        </p:spPr>
-        <p:txBody>
-          <a:bodyPr wrap="none" rtlCol="0">
-            <a:spAutoFit/>
-          </a:bodyPr>
-          <a:lstStyle/>
-          <a:p>
-            <a:r>
-              <a:rPr lang="en-GB" sz="1100" dirty="0">
-                <a:solidFill>
-                  <a:schemeClr val="accent6"/>
-                </a:solidFill>
-              </a:rPr>
-              <a:t>enlist objects as they are modified</a:t>
-            </a:r>
-          </a:p>
-        </p:txBody>
-      </p:sp>
-      <p:sp>
-        <p:nvSpPr>
-          <p:cNvPr id="99" name="Rectangle 98"/>
-          <p:cNvSpPr/>
-          <p:nvPr/>
-        </p:nvSpPr>
-        <p:spPr>
-          <a:xfrm>
-            <a:off x="2013708" y="1700933"/>
-            <a:ext cx="3933617" cy="3174087"/>
-          </a:xfrm>
-          <a:prstGeom prst="rect">
-            <a:avLst/>
-          </a:prstGeom>
-          <a:noFill/>
-        </p:spPr>
-        <p:style>
-          <a:lnRef idx="2">
-            <a:schemeClr val="accent1">
-              <a:shade val="50000"/>
-            </a:schemeClr>
-          </a:lnRef>
-          <a:fillRef idx="1">
-            <a:schemeClr val="accent1"/>
-          </a:fillRef>
-          <a:effectRef idx="0">
-            <a:schemeClr val="accent1"/>
-          </a:effectRef>
-          <a:fontRef idx="minor">
-            <a:schemeClr val="lt1"/>
-          </a:fontRef>
-        </p:style>
-        <p:txBody>
-          <a:bodyPr rtlCol="0" anchor="t" anchorCtr="0"/>
-          <a:lstStyle/>
-          <a:p>
-            <a:r>
-              <a:rPr lang="en-GB" sz="1600" dirty="0" err="1">
-                <a:solidFill>
-                  <a:schemeClr val="tx2"/>
-                </a:solidFill>
-              </a:rPr>
-              <a:t>InteractionContext</a:t>
-            </a:r>
-            <a:endParaRPr lang="en-GB" sz="1600" dirty="0">
-              <a:solidFill>
-                <a:schemeClr val="tx2"/>
-              </a:solidFill>
-            </a:endParaRPr>
-          </a:p>
-        </p:txBody>
-      </p:sp>
-      <p:sp>
-        <p:nvSpPr>
-          <p:cNvPr id="100" name="Rectangle 99"/>
-          <p:cNvSpPr/>
-          <p:nvPr/>
-        </p:nvSpPr>
-        <p:spPr>
-          <a:xfrm>
-            <a:off x="6150646" y="2126854"/>
-            <a:ext cx="1569187" cy="500616"/>
-          </a:xfrm>
-          <a:prstGeom prst="rect">
-            <a:avLst/>
-          </a:prstGeom>
-        </p:spPr>
-        <p:style>
-          <a:lnRef idx="2">
-            <a:schemeClr val="accent2"/>
-          </a:lnRef>
-          <a:fillRef idx="1">
-            <a:schemeClr val="lt1"/>
-          </a:fillRef>
-          <a:effectRef idx="0">
-            <a:schemeClr val="accent2"/>
-          </a:effectRef>
-          <a:fontRef idx="minor">
-            <a:schemeClr val="dk1"/>
-          </a:fontRef>
-        </p:style>
-        <p:txBody>
-          <a:bodyPr rtlCol="0" anchor="t" anchorCtr="0"/>
-          <a:lstStyle/>
-          <a:p>
-            <a:r>
-              <a:rPr lang="en-GB" sz="1600" i="1" dirty="0" err="1">
-                <a:solidFill>
-                  <a:schemeClr val="accent2"/>
-                </a:solidFill>
-              </a:rPr>
-              <a:t>PublisherService</a:t>
-            </a:r>
-            <a:br>
-              <a:rPr lang="en-GB" sz="1600" i="1" dirty="0">
-                <a:solidFill>
-                  <a:schemeClr val="accent2"/>
-                </a:solidFill>
-              </a:rPr>
-            </a:br>
-            <a:r>
-              <a:rPr lang="en-GB" sz="1600" i="1" dirty="0">
-                <a:solidFill>
-                  <a:schemeClr val="accent2"/>
-                </a:solidFill>
-              </a:rPr>
-              <a:t>Internal</a:t>
-            </a:r>
-          </a:p>
-        </p:txBody>
-      </p:sp>
-      <p:sp>
-        <p:nvSpPr>
-          <p:cNvPr id="101" name="Rectangle 100"/>
-          <p:cNvSpPr/>
-          <p:nvPr/>
-        </p:nvSpPr>
-        <p:spPr>
-          <a:xfrm>
-            <a:off x="6150646" y="113217"/>
-            <a:ext cx="1633864" cy="550678"/>
-          </a:xfrm>
-          <a:prstGeom prst="rect">
-            <a:avLst/>
-          </a:prstGeom>
-        </p:spPr>
-        <p:style>
-          <a:lnRef idx="2">
-            <a:schemeClr val="accent4"/>
-          </a:lnRef>
-          <a:fillRef idx="1">
-            <a:schemeClr val="lt1"/>
-          </a:fillRef>
-          <a:effectRef idx="0">
-            <a:schemeClr val="accent4"/>
-          </a:effectRef>
-          <a:fontRef idx="minor">
-            <a:schemeClr val="dk1"/>
-          </a:fontRef>
-        </p:style>
-        <p:txBody>
-          <a:bodyPr rtlCol="0" anchor="t" anchorCtr="0"/>
-          <a:lstStyle/>
-          <a:p>
-            <a:r>
-              <a:rPr lang="en-GB" sz="1600" i="1" dirty="0">
-                <a:solidFill>
-                  <a:schemeClr val="accent4"/>
-                </a:solidFill>
-              </a:rPr>
-              <a:t>Auditing</a:t>
-            </a:r>
-            <a:br>
-              <a:rPr lang="en-GB" sz="1600" i="1" dirty="0">
-                <a:solidFill>
-                  <a:schemeClr val="accent4"/>
-                </a:solidFill>
-              </a:rPr>
-            </a:br>
-            <a:r>
-              <a:rPr lang="en-GB" sz="1600" i="1" dirty="0" err="1">
-                <a:solidFill>
-                  <a:schemeClr val="accent4"/>
-                </a:solidFill>
-              </a:rPr>
-              <a:t>ServiceInternal</a:t>
-            </a:r>
-            <a:endParaRPr lang="en-GB" sz="1600" i="1" dirty="0">
-              <a:solidFill>
-                <a:schemeClr val="accent4"/>
-              </a:solidFill>
-            </a:endParaRPr>
-          </a:p>
-        </p:txBody>
-      </p:sp>
-      <p:sp>
-        <p:nvSpPr>
-          <p:cNvPr id="102" name="Rectangle 101"/>
-          <p:cNvSpPr/>
-          <p:nvPr/>
-        </p:nvSpPr>
-        <p:spPr>
-          <a:xfrm>
-            <a:off x="8220733" y="2939532"/>
-            <a:ext cx="1649759" cy="550678"/>
-          </a:xfrm>
-          <a:prstGeom prst="rect">
-            <a:avLst/>
-          </a:prstGeom>
-        </p:spPr>
-        <p:style>
-          <a:lnRef idx="1">
-            <a:schemeClr val="accent3"/>
-          </a:lnRef>
-          <a:fillRef idx="2">
-            <a:schemeClr val="accent3"/>
-          </a:fillRef>
-          <a:effectRef idx="1">
-            <a:schemeClr val="accent3"/>
-          </a:effectRef>
-          <a:fontRef idx="minor">
-            <a:schemeClr val="dk1"/>
-          </a:fontRef>
-        </p:style>
-        <p:txBody>
-          <a:bodyPr rtlCol="0" anchor="t" anchorCtr="0"/>
-          <a:lstStyle/>
-          <a:p>
-            <a:pPr algn="ctr"/>
-            <a:r>
-              <a:rPr lang="en-GB" sz="1600" dirty="0" err="1">
-                <a:solidFill>
-                  <a:schemeClr val="tx1"/>
-                </a:solidFill>
-              </a:rPr>
-              <a:t>PublisherService</a:t>
-            </a:r>
-            <a:endParaRPr lang="en-GB" sz="1600" dirty="0">
-              <a:solidFill>
-                <a:schemeClr val="tx1"/>
-              </a:solidFill>
-            </a:endParaRPr>
-          </a:p>
-          <a:p>
-            <a:pPr algn="ctr"/>
-            <a:r>
-              <a:rPr lang="en-GB" sz="1600" dirty="0">
-                <a:solidFill>
-                  <a:schemeClr val="tx1"/>
-                </a:solidFill>
-              </a:rPr>
-              <a:t>SPI</a:t>
-            </a:r>
-          </a:p>
-        </p:txBody>
-      </p:sp>
-      <p:sp>
-        <p:nvSpPr>
-          <p:cNvPr id="103" name="Rectangle 102"/>
-          <p:cNvSpPr/>
-          <p:nvPr/>
-        </p:nvSpPr>
-        <p:spPr>
-          <a:xfrm>
-            <a:off x="197299" y="1700933"/>
-            <a:ext cx="1697674" cy="3174087"/>
-          </a:xfrm>
-          <a:prstGeom prst="rect">
-            <a:avLst/>
-          </a:prstGeom>
-          <a:noFill/>
-        </p:spPr>
-        <p:style>
-          <a:lnRef idx="2">
-            <a:schemeClr val="accent1">
-              <a:shade val="50000"/>
-            </a:schemeClr>
-          </a:lnRef>
-          <a:fillRef idx="1">
-            <a:schemeClr val="accent1"/>
-          </a:fillRef>
-          <a:effectRef idx="0">
-            <a:schemeClr val="accent1"/>
-          </a:effectRef>
-          <a:fontRef idx="minor">
-            <a:schemeClr val="lt1"/>
-          </a:fontRef>
-        </p:style>
-        <p:txBody>
-          <a:bodyPr rtlCol="0" anchor="t" anchorCtr="0"/>
-          <a:lstStyle/>
-          <a:p>
             <a:r>
               <a:rPr lang="en-GB" sz="1600" dirty="0" err="1">
                 <a:solidFill>
@@ -4098,99 +3814,17 @@
       </p:sp>
       <p:cxnSp>
         <p:nvCxnSpPr>
-          <p:cNvPr id="104" name="Straight Arrow Connector 103"/>
-          <p:cNvCxnSpPr/>
-          <p:nvPr/>
-        </p:nvCxnSpPr>
-        <p:spPr>
-          <a:xfrm flipV="1">
-            <a:off x="5064592" y="1293156"/>
-            <a:ext cx="8856" cy="1467999"/>
-          </a:xfrm>
-          <a:prstGeom prst="straightConnector1">
-            <a:avLst/>
-          </a:prstGeom>
-          <a:ln w="19050">
-            <a:solidFill>
-              <a:schemeClr val="accent6">
-                <a:lumMod val="60000"/>
-                <a:lumOff val="40000"/>
-              </a:schemeClr>
-            </a:solidFill>
-            <a:prstDash val="sysDash"/>
-            <a:tailEnd type="triangle"/>
-          </a:ln>
-        </p:spPr>
-        <p:style>
-          <a:lnRef idx="1">
-            <a:schemeClr val="accent1"/>
-          </a:lnRef>
-          <a:fillRef idx="0">
-            <a:schemeClr val="accent1"/>
-          </a:fillRef>
-          <a:effectRef idx="0">
-            <a:schemeClr val="accent1"/>
-          </a:effectRef>
-          <a:fontRef idx="minor">
-            <a:schemeClr val="tx1"/>
-          </a:fontRef>
-        </p:style>
-      </p:cxnSp>
-      <p:cxnSp>
-        <p:nvCxnSpPr>
           <p:cNvPr id="105" name="Curved Connector 104"/>
           <p:cNvCxnSpPr>
+            <a:cxnSpLocks/>
             <a:endCxn id="100" idx="1"/>
           </p:cNvCxnSpPr>
           <p:nvPr/>
         </p:nvCxnSpPr>
         <p:spPr>
           <a:xfrm flipV="1">
-            <a:off x="3590682" y="2377162"/>
-            <a:ext cx="2559964" cy="206846"/>
-          </a:xfrm>
-          <a:prstGeom prst="curvedConnector3">
-            <a:avLst>
-              <a:gd name="adj1" fmla="val 50000"/>
-            </a:avLst>
-          </a:prstGeom>
-          <a:ln w="19050">
-            <a:solidFill>
-              <a:schemeClr val="accent2">
-                <a:lumMod val="75000"/>
-              </a:schemeClr>
-            </a:solidFill>
-            <a:prstDash val="sysDash"/>
-            <a:tailEnd type="triangle"/>
-          </a:ln>
-        </p:spPr>
-        <p:style>
-          <a:lnRef idx="1">
-            <a:schemeClr val="accent1"/>
-          </a:lnRef>
-          <a:fillRef idx="0">
-            <a:schemeClr val="accent1"/>
-          </a:fillRef>
-          <a:effectRef idx="0">
-            <a:schemeClr val="accent1"/>
-          </a:effectRef>
-          <a:fontRef idx="minor">
-            <a:schemeClr val="tx1"/>
-          </a:fontRef>
-        </p:style>
-      </p:cxnSp>
-      <p:cxnSp>
-        <p:nvCxnSpPr>
-          <p:cNvPr id="106" name="Curved Connector 105"/>
-          <p:cNvCxnSpPr>
-            <a:endCxn id="100" idx="1"/>
-          </p:cNvCxnSpPr>
-          <p:nvPr/>
-        </p:nvCxnSpPr>
-        <p:spPr>
-          <a:xfrm flipV="1">
-            <a:off x="5648724" y="2377162"/>
-            <a:ext cx="501922" cy="451221"/>
+            <a:off x="4072207" y="2586466"/>
+            <a:ext cx="2078438" cy="128713"/>
           </a:xfrm>
           <a:prstGeom prst="curvedConnector3">
             <a:avLst>
@@ -4226,14 +3860,15 @@
         <p:nvCxnSpPr>
           <p:cNvPr id="107" name="Curved Connector 106"/>
           <p:cNvCxnSpPr>
+            <a:cxnSpLocks/>
             <a:endCxn id="100" idx="0"/>
           </p:cNvCxnSpPr>
           <p:nvPr/>
         </p:nvCxnSpPr>
         <p:spPr>
           <a:xfrm>
-            <a:off x="5627771" y="1177175"/>
-            <a:ext cx="1307469" cy="949679"/>
+            <a:off x="5627771" y="1336706"/>
+            <a:ext cx="1371141" cy="949678"/>
           </a:xfrm>
           <a:prstGeom prst="curvedConnector2">
             <a:avLst/>
@@ -4271,7 +3906,7 @@
         </p:nvSpPr>
         <p:spPr>
           <a:xfrm>
-            <a:off x="6069311" y="2623983"/>
+            <a:off x="6049064" y="2946179"/>
             <a:ext cx="1494320" cy="600164"/>
           </a:xfrm>
           <a:prstGeom prst="rect">
@@ -4331,7 +3966,7 @@
         </p:nvSpPr>
         <p:spPr>
           <a:xfrm>
-            <a:off x="6530010" y="1317269"/>
+            <a:off x="6876315" y="1719173"/>
             <a:ext cx="1721946" cy="430887"/>
           </a:xfrm>
           <a:prstGeom prst="rect">
@@ -4381,8 +4016,8 @@
         </p:nvCxnSpPr>
         <p:spPr>
           <a:xfrm flipV="1">
-            <a:off x="5631660" y="663895"/>
-            <a:ext cx="1335918" cy="359326"/>
+            <a:off x="5631660" y="823426"/>
+            <a:ext cx="1335918" cy="94738"/>
           </a:xfrm>
           <a:prstGeom prst="curvedConnector2">
             <a:avLst/>
@@ -4418,7 +4053,7 @@
         </p:nvSpPr>
         <p:spPr>
           <a:xfrm>
-            <a:off x="6530010" y="818069"/>
+            <a:off x="6530010" y="977600"/>
             <a:ext cx="1515158" cy="430887"/>
           </a:xfrm>
           <a:prstGeom prst="rect">
@@ -4466,7 +4101,7 @@
         </p:nvSpPr>
         <p:spPr>
           <a:xfrm>
-            <a:off x="197299" y="5748125"/>
+            <a:off x="197299" y="5643068"/>
             <a:ext cx="1697676" cy="550678"/>
           </a:xfrm>
           <a:prstGeom prst="rect">
@@ -4518,132 +4153,27 @@
           </a:p>
         </p:txBody>
       </p:sp>
-      <p:sp>
-        <p:nvSpPr>
-          <p:cNvPr id="113" name="Rectangle 112"/>
-          <p:cNvSpPr/>
-          <p:nvPr/>
-        </p:nvSpPr>
-        <p:spPr>
-          <a:xfrm>
-            <a:off x="8220731" y="113217"/>
-            <a:ext cx="1649759" cy="550678"/>
-          </a:xfrm>
-          <a:prstGeom prst="rect">
-            <a:avLst/>
-          </a:prstGeom>
-        </p:spPr>
-        <p:style>
-          <a:lnRef idx="1">
-            <a:schemeClr val="accent3"/>
-          </a:lnRef>
-          <a:fillRef idx="2">
-            <a:schemeClr val="accent3"/>
-          </a:fillRef>
-          <a:effectRef idx="1">
-            <a:schemeClr val="accent3"/>
-          </a:effectRef>
-          <a:fontRef idx="minor">
-            <a:schemeClr val="dk1"/>
-          </a:fontRef>
-        </p:style>
-        <p:txBody>
-          <a:bodyPr rtlCol="0" anchor="t" anchorCtr="0"/>
-          <a:lstStyle/>
-          <a:p>
-            <a:pPr algn="ctr"/>
-            <a:r>
-              <a:rPr lang="en-GB" sz="1600" dirty="0">
-                <a:solidFill>
-                  <a:schemeClr val="tx1"/>
-                </a:solidFill>
-              </a:rPr>
-              <a:t>AuditingService3</a:t>
-            </a:r>
-            <a:br>
-              <a:rPr lang="en-GB" sz="1600" dirty="0">
-                <a:solidFill>
-                  <a:schemeClr val="tx1"/>
-                </a:solidFill>
-              </a:rPr>
-            </a:br>
-            <a:r>
-              <a:rPr lang="en-GB" sz="1600" dirty="0">
-                <a:solidFill>
-                  <a:schemeClr val="tx1"/>
-                </a:solidFill>
-              </a:rPr>
-              <a:t>SPI</a:t>
-            </a:r>
-          </a:p>
-        </p:txBody>
-      </p:sp>
       <p:cxnSp>
         <p:nvCxnSpPr>
           <p:cNvPr id="114" name="Curved Connector 113"/>
           <p:cNvCxnSpPr>
+            <a:cxnSpLocks/>
             <a:stCxn id="100" idx="3"/>
-            <a:endCxn id="102" idx="1"/>
+            <a:endCxn id="102" idx="0"/>
           </p:cNvCxnSpPr>
           <p:nvPr/>
         </p:nvCxnSpPr>
         <p:spPr>
           <a:xfrm>
-            <a:off x="7719833" y="2377162"/>
-            <a:ext cx="500900" cy="837709"/>
-          </a:xfrm>
-          <a:prstGeom prst="curvedConnector3">
-            <a:avLst>
-              <a:gd name="adj1" fmla="val 50000"/>
-            </a:avLst>
+            <a:off x="7847178" y="2586466"/>
+            <a:ext cx="1198435" cy="512597"/>
+          </a:xfrm>
+          <a:prstGeom prst="curvedConnector2">
+            <a:avLst/>
           </a:prstGeom>
           <a:ln w="19050">
             <a:solidFill>
               <a:schemeClr val="accent2">
-                <a:lumMod val="75000"/>
-              </a:schemeClr>
-            </a:solidFill>
-            <a:prstDash val="sysDash"/>
-            <a:tailEnd type="triangle"/>
-          </a:ln>
-        </p:spPr>
-        <p:style>
-          <a:lnRef idx="1">
-            <a:schemeClr val="accent1"/>
-          </a:lnRef>
-          <a:fillRef idx="0">
-            <a:schemeClr val="accent1"/>
-          </a:fillRef>
-          <a:effectRef idx="0">
-            <a:schemeClr val="accent1"/>
-          </a:effectRef>
-          <a:fontRef idx="minor">
-            <a:schemeClr val="tx1"/>
-          </a:fontRef>
-        </p:style>
-      </p:cxnSp>
-      <p:cxnSp>
-        <p:nvCxnSpPr>
-          <p:cNvPr id="115" name="Curved Connector 114"/>
-          <p:cNvCxnSpPr>
-            <a:stCxn id="101" idx="3"/>
-            <a:endCxn id="113" idx="1"/>
-          </p:cNvCxnSpPr>
-          <p:nvPr/>
-        </p:nvCxnSpPr>
-        <p:spPr>
-          <a:xfrm>
-            <a:off x="7784510" y="388556"/>
-            <a:ext cx="436221" cy="12700"/>
-          </a:xfrm>
-          <a:prstGeom prst="curvedConnector3">
-            <a:avLst>
-              <a:gd name="adj1" fmla="val 50000"/>
-            </a:avLst>
-          </a:prstGeom>
-          <a:ln w="19050">
-            <a:solidFill>
-              <a:schemeClr val="accent4">
                 <a:lumMod val="75000"/>
               </a:schemeClr>
             </a:solidFill>
@@ -4677,7 +4207,7 @@
         </p:nvCxnSpPr>
         <p:spPr>
           <a:xfrm rot="16200000" flipH="1">
-            <a:off x="542753" y="5244741"/>
+            <a:off x="542753" y="5139684"/>
             <a:ext cx="1000522" cy="6245"/>
           </a:xfrm>
           <a:prstGeom prst="curvedConnector3">
@@ -4716,8 +4246,8 @@
         </p:nvSpPr>
         <p:spPr>
           <a:xfrm>
-            <a:off x="3595169" y="4861399"/>
-            <a:ext cx="992579" cy="600164"/>
+            <a:off x="4042639" y="4756342"/>
+            <a:ext cx="1937924" cy="600164"/>
           </a:xfrm>
           <a:prstGeom prst="rect">
             <a:avLst/>
@@ -4725,7 +4255,7 @@
           <a:noFill/>
         </p:spPr>
         <p:txBody>
-          <a:bodyPr wrap="none" rtlCol="0">
+          <a:bodyPr wrap="square" rtlCol="0">
             <a:spAutoFit/>
           </a:bodyPr>
           <a:lstStyle/>
@@ -4739,7 +4269,7 @@
                   </a:schemeClr>
                 </a:solidFill>
               </a:rPr>
-              <a:t>broadcast</a:t>
+              <a:t>Broadcast</a:t>
             </a:r>
             <a:br>
               <a:rPr lang="en-GB" sz="1100" dirty="0">
@@ -4807,7 +4337,7 @@
         </p:nvSpPr>
         <p:spPr>
           <a:xfrm>
-            <a:off x="187163" y="5280388"/>
+            <a:off x="187163" y="5175331"/>
             <a:ext cx="840295" cy="430887"/>
           </a:xfrm>
           <a:prstGeom prst="rect">
@@ -4862,8 +4392,8 @@
         </p:nvSpPr>
         <p:spPr>
           <a:xfrm>
-            <a:off x="3767495" y="3236738"/>
-            <a:ext cx="647933" cy="553998"/>
+            <a:off x="4604493" y="3701335"/>
+            <a:ext cx="1132106" cy="830997"/>
           </a:xfrm>
           <a:prstGeom prst="rect">
             <a:avLst/>
@@ -4878,21 +4408,28 @@
           <a:p>
             <a:pPr algn="ctr"/>
             <a:r>
-              <a:rPr lang="en-GB" sz="1000" dirty="0"/>
+              <a:rPr lang="en-GB" sz="1200" dirty="0"/>
+              <a:t>Sub-executions</a:t>
+            </a:r>
+            <a:br>
+              <a:rPr lang="en-GB" sz="1200" dirty="0"/>
+            </a:br>
+            <a:r>
+              <a:rPr lang="en-GB" sz="1200" dirty="0"/>
               <a:t>via</a:t>
             </a:r>
             <a:br>
-              <a:rPr lang="en-GB" sz="1000" dirty="0"/>
+              <a:rPr lang="en-GB" sz="1200" dirty="0"/>
             </a:br>
             <a:r>
-              <a:rPr lang="en-GB" sz="1000" dirty="0"/>
+              <a:rPr lang="en-GB" sz="1200" dirty="0"/>
               <a:t>Wrapper</a:t>
             </a:r>
             <a:br>
-              <a:rPr lang="en-GB" sz="1000" dirty="0"/>
+              <a:rPr lang="en-GB" sz="1200" dirty="0"/>
             </a:br>
             <a:r>
-              <a:rPr lang="en-GB" sz="1000" dirty="0"/>
+              <a:rPr lang="en-GB" sz="1200" dirty="0"/>
               <a:t>Factory</a:t>
             </a:r>
           </a:p>
@@ -4906,7 +4443,7 @@
         </p:nvCxnSpPr>
         <p:spPr>
           <a:xfrm flipH="1">
-            <a:off x="3478445" y="4547399"/>
+            <a:off x="3925915" y="4442342"/>
             <a:ext cx="2" cy="839974"/>
           </a:xfrm>
           <a:prstGeom prst="straightConnector1">
@@ -4937,24 +4474,131 @@
           </a:fontRef>
         </p:style>
       </p:cxnSp>
+      <p:sp>
+        <p:nvSpPr>
+          <p:cNvPr id="47" name="Rectangle 46"/>
+          <p:cNvSpPr/>
+          <p:nvPr/>
+        </p:nvSpPr>
+        <p:spPr>
+          <a:xfrm>
+            <a:off x="8296351" y="1035432"/>
+            <a:ext cx="1649759" cy="550678"/>
+          </a:xfrm>
+          <a:prstGeom prst="rect">
+            <a:avLst/>
+          </a:prstGeom>
+        </p:spPr>
+        <p:style>
+          <a:lnRef idx="1">
+            <a:schemeClr val="accent3"/>
+          </a:lnRef>
+          <a:fillRef idx="2">
+            <a:schemeClr val="accent3"/>
+          </a:fillRef>
+          <a:effectRef idx="1">
+            <a:schemeClr val="accent3"/>
+          </a:effectRef>
+          <a:fontRef idx="minor">
+            <a:schemeClr val="dk1"/>
+          </a:fontRef>
+        </p:style>
+        <p:txBody>
+          <a:bodyPr rtlCol="0" anchor="t" anchorCtr="0"/>
+          <a:lstStyle/>
+          <a:p>
+            <a:pPr algn="ctr"/>
+            <a:endParaRPr lang="en-GB" sz="1600" dirty="0">
+              <a:solidFill>
+                <a:schemeClr val="tx1"/>
+              </a:solidFill>
+            </a:endParaRPr>
+          </a:p>
+        </p:txBody>
+      </p:sp>
+      <p:sp>
+        <p:nvSpPr>
+          <p:cNvPr id="49" name="Rectangle 48"/>
+          <p:cNvSpPr/>
+          <p:nvPr/>
+        </p:nvSpPr>
+        <p:spPr>
+          <a:xfrm>
+            <a:off x="8220731" y="945852"/>
+            <a:ext cx="1649759" cy="550678"/>
+          </a:xfrm>
+          <a:prstGeom prst="rect">
+            <a:avLst/>
+          </a:prstGeom>
+        </p:spPr>
+        <p:style>
+          <a:lnRef idx="1">
+            <a:schemeClr val="accent3"/>
+          </a:lnRef>
+          <a:fillRef idx="2">
+            <a:schemeClr val="accent3"/>
+          </a:fillRef>
+          <a:effectRef idx="1">
+            <a:schemeClr val="accent3"/>
+          </a:effectRef>
+          <a:fontRef idx="minor">
+            <a:schemeClr val="dk1"/>
+          </a:fontRef>
+        </p:style>
+        <p:txBody>
+          <a:bodyPr rtlCol="0" anchor="t" anchorCtr="0"/>
+          <a:lstStyle/>
+          <a:p>
+            <a:pPr algn="ctr"/>
+            <a:r>
+              <a:rPr lang="en-GB" sz="1600" dirty="0" err="1">
+                <a:solidFill>
+                  <a:schemeClr val="tx1"/>
+                </a:solidFill>
+              </a:rPr>
+              <a:t>AuditerService</a:t>
+            </a:r>
+            <a:endParaRPr lang="en-GB" sz="1600" dirty="0">
+              <a:solidFill>
+                <a:schemeClr val="tx1"/>
+              </a:solidFill>
+            </a:endParaRPr>
+          </a:p>
+          <a:p>
+            <a:pPr algn="ctr"/>
+            <a:r>
+              <a:rPr lang="en-GB" sz="1600" dirty="0">
+                <a:solidFill>
+                  <a:schemeClr val="tx1"/>
+                </a:solidFill>
+              </a:rPr>
+              <a:t>SPI</a:t>
+            </a:r>
+          </a:p>
+        </p:txBody>
+      </p:sp>
       <p:cxnSp>
         <p:nvCxnSpPr>
-          <p:cNvPr id="121" name="Straight Arrow Connector 120"/>
-          <p:cNvCxnSpPr/>
+          <p:cNvPr id="50" name="Curved Connector 49"/>
+          <p:cNvCxnSpPr>
+            <a:cxnSpLocks/>
+            <a:stCxn id="101" idx="3"/>
+            <a:endCxn id="49" idx="0"/>
+          </p:cNvCxnSpPr>
           <p:nvPr/>
         </p:nvCxnSpPr>
         <p:spPr>
-          <a:xfrm flipH="1">
-            <a:off x="5532719" y="4297557"/>
-            <a:ext cx="1" cy="1088952"/>
-          </a:xfrm>
-          <a:prstGeom prst="straightConnector1">
+          <a:xfrm>
+            <a:off x="7784510" y="548087"/>
+            <a:ext cx="1261101" cy="397765"/>
+          </a:xfrm>
+          <a:prstGeom prst="curvedConnector2">
             <a:avLst/>
           </a:prstGeom>
           <a:ln w="19050">
             <a:solidFill>
-              <a:schemeClr val="bg1">
-                <a:lumMod val="50000"/>
+              <a:schemeClr val="accent4">
+                <a:lumMod val="75000"/>
               </a:schemeClr>
             </a:solidFill>
             <a:prstDash val="sysDash"/>
@@ -4976,25 +4620,28 @@
           </a:fontRef>
         </p:style>
       </p:cxnSp>
-      <p:cxnSp>
-        <p:nvCxnSpPr>
-          <p:cNvPr id="122" name="Straight Arrow Connector 121"/>
-          <p:cNvCxnSpPr/>
+      <p:sp>
+        <p:nvSpPr>
+          <p:cNvPr id="9" name="Arrow: Curved Up 8">
+            <a:extLst>
+              <a:ext uri="{FF2B5EF4-FFF2-40B4-BE49-F238E27FC236}">
+                <a16:creationId xmlns:a16="http://schemas.microsoft.com/office/drawing/2014/main" id="{C6FB575C-9827-44BA-8A22-3F93822FC1F9}"/>
+              </a:ext>
+            </a:extLst>
+          </p:cNvPr>
+          <p:cNvSpPr/>
           <p:nvPr/>
-        </p:nvCxnSpPr>
-        <p:spPr>
-          <a:xfrm flipV="1">
-            <a:off x="263471" y="119725"/>
-            <a:ext cx="5683851" cy="7749"/>
-          </a:xfrm>
-          <a:prstGeom prst="straightConnector1">
+        </p:nvSpPr>
+        <p:spPr>
+          <a:xfrm rot="5400000" flipV="1">
+            <a:off x="3855784" y="3130837"/>
+            <a:ext cx="1127200" cy="694354"/>
+          </a:xfrm>
+          <a:prstGeom prst="curvedUpArrow">
             <a:avLst/>
           </a:prstGeom>
-          <a:ln>
-            <a:solidFill>
-              <a:schemeClr val="tx1"/>
-            </a:solidFill>
-            <a:prstDash val="lgDash"/>
+          <a:ln w="22225">
+            <a:prstDash val="sysDash"/>
             <a:tailEnd type="triangle"/>
           </a:ln>
         </p:spPr>
@@ -5012,288 +4659,19 @@
             <a:schemeClr val="tx1"/>
           </a:fontRef>
         </p:style>
-      </p:cxnSp>
-      <p:sp>
-        <p:nvSpPr>
-          <p:cNvPr id="123" name="TextBox 122"/>
-          <p:cNvSpPr txBox="1"/>
-          <p:nvPr/>
-        </p:nvSpPr>
-        <p:spPr>
-          <a:xfrm>
-            <a:off x="160946" y="119725"/>
-            <a:ext cx="495649" cy="276999"/>
-          </a:xfrm>
-          <a:prstGeom prst="rect">
-            <a:avLst/>
-          </a:prstGeom>
-          <a:noFill/>
-        </p:spPr>
-        <p:txBody>
-          <a:bodyPr wrap="none" rtlCol="0">
-            <a:spAutoFit/>
-          </a:bodyPr>
-          <a:lstStyle/>
-          <a:p>
-            <a:r>
-              <a:rPr lang="en-GB" sz="1200" dirty="0"/>
-              <a:t>Time</a:t>
-            </a:r>
-          </a:p>
-        </p:txBody>
-      </p:sp>
-      <p:sp>
-        <p:nvSpPr>
-          <p:cNvPr id="44" name="Rectangle 43"/>
-          <p:cNvSpPr/>
-          <p:nvPr/>
-        </p:nvSpPr>
-        <p:spPr>
-          <a:xfrm>
-            <a:off x="8220731" y="2117871"/>
-            <a:ext cx="1649759" cy="550678"/>
-          </a:xfrm>
-          <a:prstGeom prst="rect">
-            <a:avLst/>
-          </a:prstGeom>
-        </p:spPr>
-        <p:style>
-          <a:lnRef idx="1">
-            <a:schemeClr val="accent3"/>
-          </a:lnRef>
-          <a:fillRef idx="2">
-            <a:schemeClr val="accent3"/>
-          </a:fillRef>
-          <a:effectRef idx="1">
-            <a:schemeClr val="accent3"/>
-          </a:effectRef>
-          <a:fontRef idx="minor">
-            <a:schemeClr val="dk1"/>
-          </a:fontRef>
-        </p:style>
-        <p:txBody>
-          <a:bodyPr rtlCol="0" anchor="t" anchorCtr="0"/>
+        <p:txBody>
+          <a:bodyPr rtlCol="0" anchor="ctr"/>
           <a:lstStyle/>
           <a:p>
             <a:pPr algn="ctr"/>
-            <a:r>
-              <a:rPr lang="en-GB" sz="1600" dirty="0" err="1">
-                <a:solidFill>
-                  <a:schemeClr val="tx1"/>
-                </a:solidFill>
-              </a:rPr>
-              <a:t>PublishingService</a:t>
-            </a:r>
-            <a:endParaRPr lang="en-GB" sz="1600" dirty="0">
+            <a:endParaRPr lang="en-GB">
               <a:solidFill>
                 <a:schemeClr val="tx1"/>
               </a:solidFill>
             </a:endParaRPr>
           </a:p>
-          <a:p>
-            <a:pPr algn="ctr"/>
-            <a:r>
-              <a:rPr lang="en-GB" sz="1600" dirty="0">
-                <a:solidFill>
-                  <a:schemeClr val="tx1"/>
-                </a:solidFill>
-              </a:rPr>
-              <a:t>SPI</a:t>
-            </a:r>
-          </a:p>
-        </p:txBody>
-      </p:sp>
-      <p:cxnSp>
-        <p:nvCxnSpPr>
-          <p:cNvPr id="45" name="Curved Connector 44"/>
-          <p:cNvCxnSpPr>
-            <a:stCxn id="100" idx="3"/>
-            <a:endCxn id="44" idx="1"/>
-          </p:cNvCxnSpPr>
-          <p:nvPr/>
-        </p:nvCxnSpPr>
-        <p:spPr>
-          <a:xfrm>
-            <a:off x="7719833" y="2377162"/>
-            <a:ext cx="500898" cy="16048"/>
-          </a:xfrm>
-          <a:prstGeom prst="curvedConnector3">
-            <a:avLst>
-              <a:gd name="adj1" fmla="val 50000"/>
-            </a:avLst>
-          </a:prstGeom>
-          <a:ln w="19050">
-            <a:solidFill>
-              <a:schemeClr val="accent2">
-                <a:lumMod val="75000"/>
-              </a:schemeClr>
-            </a:solidFill>
-            <a:prstDash val="sysDash"/>
-            <a:tailEnd type="triangle"/>
-          </a:ln>
-        </p:spPr>
-        <p:style>
-          <a:lnRef idx="1">
-            <a:schemeClr val="accent1"/>
-          </a:lnRef>
-          <a:fillRef idx="0">
-            <a:schemeClr val="accent1"/>
-          </a:fillRef>
-          <a:effectRef idx="0">
-            <a:schemeClr val="accent1"/>
-          </a:effectRef>
-          <a:fontRef idx="minor">
-            <a:schemeClr val="tx1"/>
-          </a:fontRef>
-        </p:style>
-      </p:cxnSp>
-      <p:sp>
-        <p:nvSpPr>
-          <p:cNvPr id="47" name="Rectangle 46"/>
-          <p:cNvSpPr/>
-          <p:nvPr/>
-        </p:nvSpPr>
-        <p:spPr>
-          <a:xfrm>
-            <a:off x="8296351" y="875901"/>
-            <a:ext cx="1649759" cy="550678"/>
-          </a:xfrm>
-          <a:prstGeom prst="rect">
-            <a:avLst/>
-          </a:prstGeom>
-        </p:spPr>
-        <p:style>
-          <a:lnRef idx="1">
-            <a:schemeClr val="accent3"/>
-          </a:lnRef>
-          <a:fillRef idx="2">
-            <a:schemeClr val="accent3"/>
-          </a:fillRef>
-          <a:effectRef idx="1">
-            <a:schemeClr val="accent3"/>
-          </a:effectRef>
-          <a:fontRef idx="minor">
-            <a:schemeClr val="dk1"/>
-          </a:fontRef>
-        </p:style>
-        <p:txBody>
-          <a:bodyPr rtlCol="0" anchor="t" anchorCtr="0"/>
-          <a:lstStyle/>
-          <a:p>
-            <a:pPr algn="ctr"/>
-            <a:endParaRPr lang="en-GB" sz="1600" dirty="0">
-              <a:solidFill>
-                <a:schemeClr val="tx1"/>
-              </a:solidFill>
-            </a:endParaRPr>
-          </a:p>
-        </p:txBody>
-      </p:sp>
-      <p:sp>
-        <p:nvSpPr>
-          <p:cNvPr id="49" name="Rectangle 48"/>
-          <p:cNvSpPr/>
-          <p:nvPr/>
-        </p:nvSpPr>
-        <p:spPr>
-          <a:xfrm>
-            <a:off x="8220731" y="786321"/>
-            <a:ext cx="1649759" cy="550678"/>
-          </a:xfrm>
-          <a:prstGeom prst="rect">
-            <a:avLst/>
-          </a:prstGeom>
-        </p:spPr>
-        <p:style>
-          <a:lnRef idx="1">
-            <a:schemeClr val="accent3"/>
-          </a:lnRef>
-          <a:fillRef idx="2">
-            <a:schemeClr val="accent3"/>
-          </a:fillRef>
-          <a:effectRef idx="1">
-            <a:schemeClr val="accent3"/>
-          </a:effectRef>
-          <a:fontRef idx="minor">
-            <a:schemeClr val="dk1"/>
-          </a:fontRef>
-        </p:style>
-        <p:txBody>
-          <a:bodyPr rtlCol="0" anchor="t" anchorCtr="0"/>
-          <a:lstStyle/>
-          <a:p>
-            <a:pPr algn="ctr"/>
-            <a:r>
-              <a:rPr lang="en-GB" sz="1600" dirty="0" err="1">
-                <a:solidFill>
-                  <a:schemeClr val="tx1"/>
-                </a:solidFill>
-              </a:rPr>
-              <a:t>AuditerService</a:t>
-            </a:r>
-            <a:endParaRPr lang="en-GB" sz="1600" dirty="0">
-              <a:solidFill>
-                <a:schemeClr val="tx1"/>
-              </a:solidFill>
-            </a:endParaRPr>
-          </a:p>
-          <a:p>
-            <a:pPr algn="ctr"/>
-            <a:r>
-              <a:rPr lang="en-GB" sz="1600" dirty="0">
-                <a:solidFill>
-                  <a:schemeClr val="tx1"/>
-                </a:solidFill>
-              </a:rPr>
-              <a:t>SPI</a:t>
-            </a:r>
-          </a:p>
-        </p:txBody>
-      </p:sp>
-      <p:cxnSp>
-        <p:nvCxnSpPr>
-          <p:cNvPr id="50" name="Curved Connector 49"/>
-          <p:cNvCxnSpPr>
-            <a:stCxn id="101" idx="3"/>
-            <a:endCxn id="49" idx="1"/>
-          </p:cNvCxnSpPr>
-          <p:nvPr/>
-        </p:nvCxnSpPr>
-        <p:spPr>
-          <a:xfrm>
-            <a:off x="7784510" y="388556"/>
-            <a:ext cx="436221" cy="673104"/>
-          </a:xfrm>
-          <a:prstGeom prst="curvedConnector3">
-            <a:avLst>
-              <a:gd name="adj1" fmla="val 50000"/>
-            </a:avLst>
-          </a:prstGeom>
-          <a:ln w="19050">
-            <a:solidFill>
-              <a:schemeClr val="accent4">
-                <a:lumMod val="75000"/>
-              </a:schemeClr>
-            </a:solidFill>
-            <a:prstDash val="sysDash"/>
-            <a:tailEnd type="triangle"/>
-          </a:ln>
-        </p:spPr>
-        <p:style>
-          <a:lnRef idx="1">
-            <a:schemeClr val="accent1"/>
-          </a:lnRef>
-          <a:fillRef idx="0">
-            <a:schemeClr val="accent1"/>
-          </a:fillRef>
-          <a:effectRef idx="0">
-            <a:schemeClr val="accent1"/>
-          </a:effectRef>
-          <a:fontRef idx="minor">
-            <a:schemeClr val="tx1"/>
-          </a:fontRef>
-        </p:style>
-      </p:cxnSp>
+        </p:txBody>
+      </p:sp>
     </p:spTree>
     <p:extLst>
       <p:ext uri="{BB962C8B-B14F-4D97-AF65-F5344CB8AC3E}">
